--- a/nhanesA.pptx
+++ b/nhanesA.pptx
@@ -466,6 +466,90 @@
 </file>
 
 <file path=ppt/notesSlides/notesSlide1.xml><?xml version="1.0" encoding="utf-8"?>
+<p:notes xmlns:a="http://schemas.openxmlformats.org/drawingml/2006/main" xmlns:r="http://schemas.openxmlformats.org/officeDocument/2006/relationships" xmlns:p="http://schemas.openxmlformats.org/presentationml/2006/main">
+  <p:cSld>
+    <p:spTree>
+      <p:nvGrpSpPr>
+        <p:cNvPr id="1" name=""/>
+        <p:cNvGrpSpPr/>
+        <p:nvPr/>
+      </p:nvGrpSpPr>
+      <p:grpSpPr>
+        <a:xfrm>
+          <a:off x="0" y="0"/>
+          <a:ext cx="0" cy="0"/>
+          <a:chOff x="0" y="0"/>
+          <a:chExt cx="0" cy="0"/>
+        </a:xfrm>
+      </p:grpSpPr>
+      <p:sp>
+        <p:nvSpPr>
+          <p:cNvPr id="2" name="Slide Image Placeholder 1"/>
+          <p:cNvSpPr>
+            <a:spLocks noGrp="1" noRot="1" noChangeAspect="1"/>
+          </p:cNvSpPr>
+          <p:nvPr>
+            <p:ph type="sldImg"/>
+          </p:nvPr>
+        </p:nvSpPr>
+        <p:spPr/>
+      </p:sp>
+      <p:sp>
+        <p:nvSpPr>
+          <p:cNvPr id="3" name="Notes Placeholder 2"/>
+          <p:cNvSpPr>
+            <a:spLocks noGrp="1"/>
+          </p:cNvSpPr>
+          <p:nvPr>
+            <p:ph type="body" idx="1"/>
+          </p:nvPr>
+        </p:nvSpPr>
+        <p:spPr/>
+        <p:txBody>
+          <a:bodyPr/>
+          <a:lstStyle/>
+          <a:p>
+            <a:endParaRPr lang="en-US" dirty="0"/>
+          </a:p>
+        </p:txBody>
+      </p:sp>
+      <p:sp>
+        <p:nvSpPr>
+          <p:cNvPr id="4" name="Slide Number Placeholder 3"/>
+          <p:cNvSpPr>
+            <a:spLocks noGrp="1"/>
+          </p:cNvSpPr>
+          <p:nvPr>
+            <p:ph type="sldNum" sz="quarter" idx="5"/>
+          </p:nvPr>
+        </p:nvSpPr>
+        <p:spPr/>
+        <p:txBody>
+          <a:bodyPr/>
+          <a:lstStyle/>
+          <a:p>
+            <a:fld id="{4F681FD1-E1DF-1B47-B743-24DF9129B2B5}" type="slidenum">
+              <a:rPr lang="en-US" smtClean="0"/>
+              <a:t>1</a:t>
+            </a:fld>
+            <a:endParaRPr lang="en-US"/>
+          </a:p>
+        </p:txBody>
+      </p:sp>
+    </p:spTree>
+    <p:extLst>
+      <p:ext uri="{BB962C8B-B14F-4D97-AF65-F5344CB8AC3E}">
+        <p14:creationId xmlns:p14="http://schemas.microsoft.com/office/powerpoint/2010/main" val="3140539573"/>
+      </p:ext>
+    </p:extLst>
+  </p:cSld>
+  <p:clrMapOvr>
+    <a:masterClrMapping/>
+  </p:clrMapOvr>
+</p:notes>
+</file>
+
+<file path=ppt/notesSlides/notesSlide2.xml><?xml version="1.0" encoding="utf-8"?>
 <p:notes xmlns:a="http://schemas.openxmlformats.org/drawingml/2006/main" xmlns:r="http://schemas.openxmlformats.org/officeDocument/2006/relationships" xmlns:p="http://schemas.openxmlformats.org/presentationml/2006/main">
   <p:cSld>
     <p:spTree>
@@ -3778,7 +3862,7 @@
           <p:nvPr/>
         </p:nvPicPr>
         <p:blipFill rotWithShape="1">
-          <a:blip r:embed="rId2">
+          <a:blip r:embed="rId3">
             <a:extLst>
               <a:ext uri="{28A0092B-C50C-407E-A947-70E740481C1C}">
                 <a14:useLocalDpi xmlns:a14="http://schemas.microsoft.com/office/drawing/2010/main" val="0"/>
@@ -3823,7 +3907,7 @@
           <p:nvPr/>
         </p:nvPicPr>
         <p:blipFill>
-          <a:blip r:embed="rId3">
+          <a:blip r:embed="rId4">
             <a:extLst>
               <a:ext uri="{28A0092B-C50C-407E-A947-70E740481C1C}">
                 <a14:useLocalDpi xmlns:a14="http://schemas.microsoft.com/office/drawing/2010/main" val="0"/>
@@ -3870,10 +3954,10 @@
           <p:nvPr/>
         </p:nvPicPr>
         <p:blipFill>
-          <a:blip r:embed="rId4">
+          <a:blip r:embed="rId5">
             <a:extLst>
               <a:ext uri="{96DAC541-7B7A-43D3-8B79-37D633B846F1}">
-                <asvg:svgBlip xmlns:asvg="http://schemas.microsoft.com/office/drawing/2016/SVG/main" r:embed="rId5"/>
+                <asvg:svgBlip xmlns:asvg="http://schemas.microsoft.com/office/drawing/2016/SVG/main" r:embed="rId6"/>
               </a:ext>
             </a:extLst>
           </a:blip>
@@ -3906,10 +3990,10 @@
           <p:nvPr/>
         </p:nvPicPr>
         <p:blipFill>
-          <a:blip r:embed="rId6">
+          <a:blip r:embed="rId7">
             <a:extLst>
               <a:ext uri="{96DAC541-7B7A-43D3-8B79-37D633B846F1}">
-                <asvg:svgBlip xmlns:asvg="http://schemas.microsoft.com/office/drawing/2016/SVG/main" r:embed="rId7"/>
+                <asvg:svgBlip xmlns:asvg="http://schemas.microsoft.com/office/drawing/2016/SVG/main" r:embed="rId8"/>
               </a:ext>
             </a:extLst>
           </a:blip>
@@ -3942,7 +4026,7 @@
           <p:nvPr/>
         </p:nvPicPr>
         <p:blipFill>
-          <a:blip r:embed="rId8">
+          <a:blip r:embed="rId9">
             <a:extLst>
               <a:ext uri="{28A0092B-C50C-407E-A947-70E740481C1C}">
                 <a14:useLocalDpi xmlns:a14="http://schemas.microsoft.com/office/drawing/2010/main" val="0"/>
@@ -3989,7 +4073,7 @@
           <p:nvPr/>
         </p:nvPicPr>
         <p:blipFill>
-          <a:blip r:embed="rId9">
+          <a:blip r:embed="rId10">
             <a:extLst>
               <a:ext uri="{28A0092B-C50C-407E-A947-70E740481C1C}">
                 <a14:useLocalDpi xmlns:a14="http://schemas.microsoft.com/office/drawing/2010/main" val="0"/>
@@ -4036,7 +4120,7 @@
           <p:nvPr/>
         </p:nvPicPr>
         <p:blipFill>
-          <a:blip r:embed="rId10">
+          <a:blip r:embed="rId11">
             <a:extLst>
               <a:ext uri="{28A0092B-C50C-407E-A947-70E740481C1C}">
                 <a14:useLocalDpi xmlns:a14="http://schemas.microsoft.com/office/drawing/2010/main" val="0"/>
@@ -4050,8 +4134,8 @@
         </p:blipFill>
         <p:spPr bwMode="auto">
           <a:xfrm>
-            <a:off x="4930937" y="3717999"/>
-            <a:ext cx="672991" cy="672991"/>
+            <a:off x="5205650" y="3797512"/>
+            <a:ext cx="971354" cy="971354"/>
           </a:xfrm>
           <a:prstGeom prst="rect">
             <a:avLst/>
@@ -4119,10 +4203,10 @@
           <p:nvPr/>
         </p:nvPicPr>
         <p:blipFill>
-          <a:blip r:embed="rId4">
+          <a:blip r:embed="rId5">
             <a:extLst>
               <a:ext uri="{96DAC541-7B7A-43D3-8B79-37D633B846F1}">
-                <asvg:svgBlip xmlns:asvg="http://schemas.microsoft.com/office/drawing/2016/SVG/main" r:embed="rId5"/>
+                <asvg:svgBlip xmlns:asvg="http://schemas.microsoft.com/office/drawing/2016/SVG/main" r:embed="rId6"/>
               </a:ext>
             </a:extLst>
           </a:blip>
@@ -4191,10 +4275,10 @@
           <p:nvPr/>
         </p:nvPicPr>
         <p:blipFill>
-          <a:blip r:embed="rId6">
+          <a:blip r:embed="rId7">
             <a:extLst>
               <a:ext uri="{96DAC541-7B7A-43D3-8B79-37D633B846F1}">
-                <asvg:svgBlip xmlns:asvg="http://schemas.microsoft.com/office/drawing/2016/SVG/main" r:embed="rId7"/>
+                <asvg:svgBlip xmlns:asvg="http://schemas.microsoft.com/office/drawing/2016/SVG/main" r:embed="rId8"/>
               </a:ext>
             </a:extLst>
           </a:blip>
@@ -4227,7 +4311,7 @@
           <p:nvPr/>
         </p:nvPicPr>
         <p:blipFill>
-          <a:blip r:embed="rId9">
+          <a:blip r:embed="rId10">
             <a:extLst>
               <a:ext uri="{28A0092B-C50C-407E-A947-70E740481C1C}">
                 <a14:useLocalDpi xmlns:a14="http://schemas.microsoft.com/office/drawing/2010/main" val="0"/>
@@ -4274,10 +4358,10 @@
           <p:nvPr/>
         </p:nvPicPr>
         <p:blipFill>
-          <a:blip r:embed="rId4">
+          <a:blip r:embed="rId5">
             <a:extLst>
               <a:ext uri="{96DAC541-7B7A-43D3-8B79-37D633B846F1}">
-                <asvg:svgBlip xmlns:asvg="http://schemas.microsoft.com/office/drawing/2016/SVG/main" r:embed="rId5"/>
+                <asvg:svgBlip xmlns:asvg="http://schemas.microsoft.com/office/drawing/2016/SVG/main" r:embed="rId6"/>
               </a:ext>
             </a:extLst>
           </a:blip>
@@ -4346,10 +4430,10 @@
           <p:nvPr/>
         </p:nvPicPr>
         <p:blipFill>
-          <a:blip r:embed="rId6">
+          <a:blip r:embed="rId7">
             <a:extLst>
               <a:ext uri="{96DAC541-7B7A-43D3-8B79-37D633B846F1}">
-                <asvg:svgBlip xmlns:asvg="http://schemas.microsoft.com/office/drawing/2016/SVG/main" r:embed="rId7"/>
+                <asvg:svgBlip xmlns:asvg="http://schemas.microsoft.com/office/drawing/2016/SVG/main" r:embed="rId8"/>
               </a:ext>
             </a:extLst>
           </a:blip>
@@ -4382,10 +4466,10 @@
           <p:nvPr/>
         </p:nvPicPr>
         <p:blipFill>
-          <a:blip r:embed="rId11">
+          <a:blip r:embed="rId12">
             <a:extLst>
               <a:ext uri="{96DAC541-7B7A-43D3-8B79-37D633B846F1}">
-                <asvg:svgBlip xmlns:asvg="http://schemas.microsoft.com/office/drawing/2016/SVG/main" r:embed="rId12"/>
+                <asvg:svgBlip xmlns:asvg="http://schemas.microsoft.com/office/drawing/2016/SVG/main" r:embed="rId13"/>
               </a:ext>
             </a:extLst>
           </a:blip>
@@ -4418,10 +4502,10 @@
           <p:nvPr/>
         </p:nvPicPr>
         <p:blipFill>
-          <a:blip r:embed="rId13">
+          <a:blip r:embed="rId14">
             <a:extLst>
               <a:ext uri="{96DAC541-7B7A-43D3-8B79-37D633B846F1}">
-                <asvg:svgBlip xmlns:asvg="http://schemas.microsoft.com/office/drawing/2016/SVG/main" r:embed="rId14"/>
+                <asvg:svgBlip xmlns:asvg="http://schemas.microsoft.com/office/drawing/2016/SVG/main" r:embed="rId15"/>
               </a:ext>
             </a:extLst>
           </a:blip>
@@ -4454,10 +4538,10 @@
           <p:nvPr/>
         </p:nvPicPr>
         <p:blipFill>
-          <a:blip r:embed="rId15">
+          <a:blip r:embed="rId16">
             <a:extLst>
               <a:ext uri="{96DAC541-7B7A-43D3-8B79-37D633B846F1}">
-                <asvg:svgBlip xmlns:asvg="http://schemas.microsoft.com/office/drawing/2016/SVG/main" r:embed="rId16"/>
+                <asvg:svgBlip xmlns:asvg="http://schemas.microsoft.com/office/drawing/2016/SVG/main" r:embed="rId17"/>
               </a:ext>
             </a:extLst>
           </a:blip>
@@ -4529,10 +4613,10 @@
           <p:nvPr/>
         </p:nvPicPr>
         <p:blipFill>
-          <a:blip r:embed="rId17">
+          <a:blip r:embed="rId18">
             <a:extLst>
               <a:ext uri="{96DAC541-7B7A-43D3-8B79-37D633B846F1}">
-                <asvg:svgBlip xmlns:asvg="http://schemas.microsoft.com/office/drawing/2016/SVG/main" r:embed="rId18"/>
+                <asvg:svgBlip xmlns:asvg="http://schemas.microsoft.com/office/drawing/2016/SVG/main" r:embed="rId19"/>
               </a:ext>
             </a:extLst>
           </a:blip>
@@ -4565,10 +4649,10 @@
           <p:nvPr/>
         </p:nvPicPr>
         <p:blipFill>
-          <a:blip r:embed="rId19">
+          <a:blip r:embed="rId20">
             <a:extLst>
               <a:ext uri="{96DAC541-7B7A-43D3-8B79-37D633B846F1}">
-                <asvg:svgBlip xmlns:asvg="http://schemas.microsoft.com/office/drawing/2016/SVG/main" r:embed="rId20"/>
+                <asvg:svgBlip xmlns:asvg="http://schemas.microsoft.com/office/drawing/2016/SVG/main" r:embed="rId21"/>
               </a:ext>
             </a:extLst>
           </a:blip>
@@ -4601,10 +4685,10 @@
           <p:nvPr/>
         </p:nvPicPr>
         <p:blipFill>
-          <a:blip r:embed="rId21">
+          <a:blip r:embed="rId22">
             <a:extLst>
               <a:ext uri="{96DAC541-7B7A-43D3-8B79-37D633B846F1}">
-                <asvg:svgBlip xmlns:asvg="http://schemas.microsoft.com/office/drawing/2016/SVG/main" r:embed="rId22"/>
+                <asvg:svgBlip xmlns:asvg="http://schemas.microsoft.com/office/drawing/2016/SVG/main" r:embed="rId23"/>
               </a:ext>
             </a:extLst>
           </a:blip>
@@ -4636,8 +4720,8 @@
         </p:nvSpPr>
         <p:spPr>
           <a:xfrm>
-            <a:off x="9591605" y="3678731"/>
-            <a:ext cx="2230675" cy="369332"/>
+            <a:off x="9208359" y="3678731"/>
+            <a:ext cx="3247180" cy="369332"/>
           </a:xfrm>
           <a:prstGeom prst="rect">
             <a:avLst/>
@@ -4645,11 +4729,19 @@
           <a:noFill/>
         </p:spPr>
         <p:txBody>
-          <a:bodyPr wrap="none" rtlCol="0">
+          <a:bodyPr wrap="square" rtlCol="0">
             <a:spAutoFit/>
           </a:bodyPr>
           <a:lstStyle/>
           <a:p>
+            <a:r>
+              <a:rPr lang="en-US" altLang="zh-CN" dirty="0"/>
+              <a:t>Broader</a:t>
+            </a:r>
+            <a:r>
+              <a:rPr lang="zh-CN" altLang="en-US" dirty="0"/>
+              <a:t> </a:t>
+            </a:r>
             <a:r>
               <a:rPr lang="en-US" altLang="zh-CN" dirty="0"/>
               <a:t>Research</a:t>
@@ -4978,10 +5070,10 @@
           <p:nvPr/>
         </p:nvPicPr>
         <p:blipFill>
-          <a:blip r:embed="rId23">
+          <a:blip r:embed="rId24">
             <a:extLst>
               <a:ext uri="{96DAC541-7B7A-43D3-8B79-37D633B846F1}">
-                <asvg:svgBlip xmlns:asvg="http://schemas.microsoft.com/office/drawing/2016/SVG/main" r:embed="rId24"/>
+                <asvg:svgBlip xmlns:asvg="http://schemas.microsoft.com/office/drawing/2016/SVG/main" r:embed="rId25"/>
               </a:ext>
             </a:extLst>
           </a:blip>
@@ -5139,6 +5231,7 @@
             </a:extLst>
           </p:cNvPr>
           <p:cNvCxnSpPr>
+            <a:cxnSpLocks/>
             <a:stCxn id="6" idx="3"/>
             <a:endCxn id="38" idx="2"/>
           </p:cNvCxnSpPr>
@@ -5147,7 +5240,7 @@
         <p:spPr>
           <a:xfrm flipV="1">
             <a:off x="6996268" y="4048063"/>
-            <a:ext cx="3710675" cy="1776559"/>
+            <a:ext cx="3835681" cy="1776559"/>
           </a:xfrm>
           <a:prstGeom prst="curvedConnector2">
             <a:avLst/>
@@ -5320,53 +5413,6 @@
           </a:p>
         </p:txBody>
       </p:sp>
-      <p:pic>
-        <p:nvPicPr>
-          <p:cNvPr id="56" name="Picture 12" descr="drawing">
-            <a:extLst>
-              <a:ext uri="{FF2B5EF4-FFF2-40B4-BE49-F238E27FC236}">
-                <a16:creationId xmlns:a16="http://schemas.microsoft.com/office/drawing/2014/main" id="{C1872C13-5C12-81DD-E166-AAAB96A8A3D9}"/>
-              </a:ext>
-            </a:extLst>
-          </p:cNvPr>
-          <p:cNvPicPr>
-            <a:picLocks noChangeAspect="1" noChangeArrowheads="1"/>
-          </p:cNvPicPr>
-          <p:nvPr/>
-        </p:nvPicPr>
-        <p:blipFill>
-          <a:blip r:embed="rId10">
-            <a:extLst>
-              <a:ext uri="{28A0092B-C50C-407E-A947-70E740481C1C}">
-                <a14:useLocalDpi xmlns:a14="http://schemas.microsoft.com/office/drawing/2010/main" val="0"/>
-              </a:ext>
-            </a:extLst>
-          </a:blip>
-          <a:srcRect/>
-          <a:stretch>
-            <a:fillRect/>
-          </a:stretch>
-        </p:blipFill>
-        <p:spPr bwMode="auto">
-          <a:xfrm>
-            <a:off x="5861268" y="3713087"/>
-            <a:ext cx="641463" cy="641463"/>
-          </a:xfrm>
-          <a:prstGeom prst="rect">
-            <a:avLst/>
-          </a:prstGeom>
-          <a:noFill/>
-          <a:extLst>
-            <a:ext uri="{909E8E84-426E-40DD-AFC4-6F175D3DCCD1}">
-              <a14:hiddenFill xmlns:a14="http://schemas.microsoft.com/office/drawing/2010/main">
-                <a:solidFill>
-                  <a:srgbClr val="FFFFFF"/>
-                </a:solidFill>
-              </a14:hiddenFill>
-            </a:ext>
-          </a:extLst>
-        </p:spPr>
-      </p:pic>
     </p:spTree>
     <p:extLst>
       <p:ext uri="{BB962C8B-B14F-4D97-AF65-F5344CB8AC3E}">

--- a/nhanesA.pptx
+++ b/nhanesA.pptx
@@ -5,11 +5,12 @@
     <p:sldMasterId id="2147483648" r:id="rId1"/>
   </p:sldMasterIdLst>
   <p:notesMasterIdLst>
-    <p:notesMasterId r:id="rId4"/>
+    <p:notesMasterId r:id="rId5"/>
   </p:notesMasterIdLst>
   <p:sldIdLst>
     <p:sldId id="257" r:id="rId2"/>
-    <p:sldId id="258" r:id="rId3"/>
+    <p:sldId id="259" r:id="rId3"/>
+    <p:sldId id="258" r:id="rId4"/>
   </p:sldIdLst>
   <p:sldSz cx="12192000" cy="6858000"/>
   <p:notesSz cx="6858000" cy="9144000"/>
@@ -198,7 +199,7 @@
           <a:p>
             <a:fld id="{FACA8D40-E551-7045-AEF3-2D42AC54A69F}" type="datetimeFigureOut">
               <a:rPr lang="en-US" smtClean="0"/>
-              <a:t>9/27/23</a:t>
+              <a:t>9/28/23</a:t>
             </a:fld>
             <a:endParaRPr lang="en-US"/>
           </a:p>
@@ -623,6 +624,90 @@
     </p:spTree>
     <p:extLst>
       <p:ext uri="{BB962C8B-B14F-4D97-AF65-F5344CB8AC3E}">
+        <p14:creationId xmlns:p14="http://schemas.microsoft.com/office/powerpoint/2010/main" val="2068881983"/>
+      </p:ext>
+    </p:extLst>
+  </p:cSld>
+  <p:clrMapOvr>
+    <a:masterClrMapping/>
+  </p:clrMapOvr>
+</p:notes>
+</file>
+
+<file path=ppt/notesSlides/notesSlide3.xml><?xml version="1.0" encoding="utf-8"?>
+<p:notes xmlns:a="http://schemas.openxmlformats.org/drawingml/2006/main" xmlns:r="http://schemas.openxmlformats.org/officeDocument/2006/relationships" xmlns:p="http://schemas.openxmlformats.org/presentationml/2006/main">
+  <p:cSld>
+    <p:spTree>
+      <p:nvGrpSpPr>
+        <p:cNvPr id="1" name=""/>
+        <p:cNvGrpSpPr/>
+        <p:nvPr/>
+      </p:nvGrpSpPr>
+      <p:grpSpPr>
+        <a:xfrm>
+          <a:off x="0" y="0"/>
+          <a:ext cx="0" cy="0"/>
+          <a:chOff x="0" y="0"/>
+          <a:chExt cx="0" cy="0"/>
+        </a:xfrm>
+      </p:grpSpPr>
+      <p:sp>
+        <p:nvSpPr>
+          <p:cNvPr id="2" name="Slide Image Placeholder 1"/>
+          <p:cNvSpPr>
+            <a:spLocks noGrp="1" noRot="1" noChangeAspect="1"/>
+          </p:cNvSpPr>
+          <p:nvPr>
+            <p:ph type="sldImg"/>
+          </p:nvPr>
+        </p:nvSpPr>
+        <p:spPr/>
+      </p:sp>
+      <p:sp>
+        <p:nvSpPr>
+          <p:cNvPr id="3" name="Notes Placeholder 2"/>
+          <p:cNvSpPr>
+            <a:spLocks noGrp="1"/>
+          </p:cNvSpPr>
+          <p:nvPr>
+            <p:ph type="body" idx="1"/>
+          </p:nvPr>
+        </p:nvSpPr>
+        <p:spPr/>
+        <p:txBody>
+          <a:bodyPr/>
+          <a:lstStyle/>
+          <a:p>
+            <a:endParaRPr lang="en-US" dirty="0"/>
+          </a:p>
+        </p:txBody>
+      </p:sp>
+      <p:sp>
+        <p:nvSpPr>
+          <p:cNvPr id="4" name="Slide Number Placeholder 3"/>
+          <p:cNvSpPr>
+            <a:spLocks noGrp="1"/>
+          </p:cNvSpPr>
+          <p:nvPr>
+            <p:ph type="sldNum" sz="quarter" idx="5"/>
+          </p:nvPr>
+        </p:nvSpPr>
+        <p:spPr/>
+        <p:txBody>
+          <a:bodyPr/>
+          <a:lstStyle/>
+          <a:p>
+            <a:fld id="{4F681FD1-E1DF-1B47-B743-24DF9129B2B5}" type="slidenum">
+              <a:rPr lang="en-US" smtClean="0"/>
+              <a:t>3</a:t>
+            </a:fld>
+            <a:endParaRPr lang="en-US"/>
+          </a:p>
+        </p:txBody>
+      </p:sp>
+    </p:spTree>
+    <p:extLst>
+      <p:ext uri="{BB962C8B-B14F-4D97-AF65-F5344CB8AC3E}">
         <p14:creationId xmlns:p14="http://schemas.microsoft.com/office/powerpoint/2010/main" val="2287498190"/>
       </p:ext>
     </p:extLst>
@@ -780,7 +865,7 @@
           <a:p>
             <a:fld id="{88CBFCE1-E3E8-9A40-A7B6-C04BAAB6D67F}" type="datetimeFigureOut">
               <a:rPr lang="en-US" smtClean="0"/>
-              <a:t>9/27/23</a:t>
+              <a:t>9/28/23</a:t>
             </a:fld>
             <a:endParaRPr lang="en-US"/>
           </a:p>
@@ -978,7 +1063,7 @@
           <a:p>
             <a:fld id="{88CBFCE1-E3E8-9A40-A7B6-C04BAAB6D67F}" type="datetimeFigureOut">
               <a:rPr lang="en-US" smtClean="0"/>
-              <a:t>9/27/23</a:t>
+              <a:t>9/28/23</a:t>
             </a:fld>
             <a:endParaRPr lang="en-US"/>
           </a:p>
@@ -1186,7 +1271,7 @@
           <a:p>
             <a:fld id="{88CBFCE1-E3E8-9A40-A7B6-C04BAAB6D67F}" type="datetimeFigureOut">
               <a:rPr lang="en-US" smtClean="0"/>
-              <a:t>9/27/23</a:t>
+              <a:t>9/28/23</a:t>
             </a:fld>
             <a:endParaRPr lang="en-US"/>
           </a:p>
@@ -1384,7 +1469,7 @@
           <a:p>
             <a:fld id="{88CBFCE1-E3E8-9A40-A7B6-C04BAAB6D67F}" type="datetimeFigureOut">
               <a:rPr lang="en-US" smtClean="0"/>
-              <a:t>9/27/23</a:t>
+              <a:t>9/28/23</a:t>
             </a:fld>
             <a:endParaRPr lang="en-US"/>
           </a:p>
@@ -1659,7 +1744,7 @@
           <a:p>
             <a:fld id="{88CBFCE1-E3E8-9A40-A7B6-C04BAAB6D67F}" type="datetimeFigureOut">
               <a:rPr lang="en-US" smtClean="0"/>
-              <a:t>9/27/23</a:t>
+              <a:t>9/28/23</a:t>
             </a:fld>
             <a:endParaRPr lang="en-US"/>
           </a:p>
@@ -1924,7 +2009,7 @@
           <a:p>
             <a:fld id="{88CBFCE1-E3E8-9A40-A7B6-C04BAAB6D67F}" type="datetimeFigureOut">
               <a:rPr lang="en-US" smtClean="0"/>
-              <a:t>9/27/23</a:t>
+              <a:t>9/28/23</a:t>
             </a:fld>
             <a:endParaRPr lang="en-US"/>
           </a:p>
@@ -2336,7 +2421,7 @@
           <a:p>
             <a:fld id="{88CBFCE1-E3E8-9A40-A7B6-C04BAAB6D67F}" type="datetimeFigureOut">
               <a:rPr lang="en-US" smtClean="0"/>
-              <a:t>9/27/23</a:t>
+              <a:t>9/28/23</a:t>
             </a:fld>
             <a:endParaRPr lang="en-US"/>
           </a:p>
@@ -2477,7 +2562,7 @@
           <a:p>
             <a:fld id="{88CBFCE1-E3E8-9A40-A7B6-C04BAAB6D67F}" type="datetimeFigureOut">
               <a:rPr lang="en-US" smtClean="0"/>
-              <a:t>9/27/23</a:t>
+              <a:t>9/28/23</a:t>
             </a:fld>
             <a:endParaRPr lang="en-US"/>
           </a:p>
@@ -2590,7 +2675,7 @@
           <a:p>
             <a:fld id="{88CBFCE1-E3E8-9A40-A7B6-C04BAAB6D67F}" type="datetimeFigureOut">
               <a:rPr lang="en-US" smtClean="0"/>
-              <a:t>9/27/23</a:t>
+              <a:t>9/28/23</a:t>
             </a:fld>
             <a:endParaRPr lang="en-US"/>
           </a:p>
@@ -2901,7 +2986,7 @@
           <a:p>
             <a:fld id="{88CBFCE1-E3E8-9A40-A7B6-C04BAAB6D67F}" type="datetimeFigureOut">
               <a:rPr lang="en-US" smtClean="0"/>
-              <a:t>9/27/23</a:t>
+              <a:t>9/28/23</a:t>
             </a:fld>
             <a:endParaRPr lang="en-US"/>
           </a:p>
@@ -3189,7 +3274,7 @@
           <a:p>
             <a:fld id="{88CBFCE1-E3E8-9A40-A7B6-C04BAAB6D67F}" type="datetimeFigureOut">
               <a:rPr lang="en-US" smtClean="0"/>
-              <a:t>9/27/23</a:t>
+              <a:t>9/28/23</a:t>
             </a:fld>
             <a:endParaRPr lang="en-US"/>
           </a:p>
@@ -3430,7 +3515,7 @@
           <a:p>
             <a:fld id="{88CBFCE1-E3E8-9A40-A7B6-C04BAAB6D67F}" type="datetimeFigureOut">
               <a:rPr lang="en-US" smtClean="0"/>
-              <a:t>9/27/23</a:t>
+              <a:t>9/28/23</a:t>
             </a:fld>
             <a:endParaRPr lang="en-US"/>
           </a:p>
@@ -5427,6 +5512,1409 @@
 </file>
 
 <file path=ppt/slides/slide2.xml><?xml version="1.0" encoding="utf-8"?>
+<p:sld xmlns:a="http://schemas.openxmlformats.org/drawingml/2006/main" xmlns:r="http://schemas.openxmlformats.org/officeDocument/2006/relationships" xmlns:p="http://schemas.openxmlformats.org/presentationml/2006/main">
+  <p:cSld>
+    <p:spTree>
+      <p:nvGrpSpPr>
+        <p:cNvPr id="1" name=""/>
+        <p:cNvGrpSpPr/>
+        <p:nvPr/>
+      </p:nvGrpSpPr>
+      <p:grpSpPr>
+        <a:xfrm>
+          <a:off x="0" y="0"/>
+          <a:ext cx="0" cy="0"/>
+          <a:chOff x="0" y="0"/>
+          <a:chExt cx="0" cy="0"/>
+        </a:xfrm>
+      </p:grpSpPr>
+      <p:pic>
+        <p:nvPicPr>
+          <p:cNvPr id="1040" name="Picture 16" descr="Git Branch Strategy — Saúl Zalimben">
+            <a:extLst>
+              <a:ext uri="{FF2B5EF4-FFF2-40B4-BE49-F238E27FC236}">
+                <a16:creationId xmlns:a16="http://schemas.microsoft.com/office/drawing/2014/main" id="{2B0C84F0-4E87-A123-4B10-8B4923D03E61}"/>
+              </a:ext>
+            </a:extLst>
+          </p:cNvPr>
+          <p:cNvPicPr>
+            <a:picLocks noChangeAspect="1" noChangeArrowheads="1"/>
+          </p:cNvPicPr>
+          <p:nvPr/>
+        </p:nvPicPr>
+        <p:blipFill rotWithShape="1">
+          <a:blip r:embed="rId3">
+            <a:extLst>
+              <a:ext uri="{28A0092B-C50C-407E-A947-70E740481C1C}">
+                <a14:useLocalDpi xmlns:a14="http://schemas.microsoft.com/office/drawing/2010/main" val="0"/>
+              </a:ext>
+            </a:extLst>
+          </a:blip>
+          <a:srcRect l="39576" t="32346"/>
+          <a:stretch/>
+        </p:blipFill>
+        <p:spPr bwMode="auto">
+          <a:xfrm rot="2930454">
+            <a:off x="5537704" y="2120663"/>
+            <a:ext cx="1738379" cy="661640"/>
+          </a:xfrm>
+          <a:prstGeom prst="rect">
+            <a:avLst/>
+          </a:prstGeom>
+          <a:noFill/>
+          <a:extLst>
+            <a:ext uri="{909E8E84-426E-40DD-AFC4-6F175D3DCCD1}">
+              <a14:hiddenFill xmlns:a14="http://schemas.microsoft.com/office/drawing/2010/main">
+                <a:solidFill>
+                  <a:srgbClr val="FFFFFF"/>
+                </a:solidFill>
+              </a14:hiddenFill>
+            </a:ext>
+          </a:extLst>
+        </p:spPr>
+      </p:pic>
+      <p:pic>
+        <p:nvPicPr>
+          <p:cNvPr id="1038" name="Picture 14" descr="Git - Best practices">
+            <a:extLst>
+              <a:ext uri="{FF2B5EF4-FFF2-40B4-BE49-F238E27FC236}">
+                <a16:creationId xmlns:a16="http://schemas.microsoft.com/office/drawing/2014/main" id="{ED66DB3E-E79F-2487-42F8-9FA8EE6D3E00}"/>
+              </a:ext>
+            </a:extLst>
+          </p:cNvPr>
+          <p:cNvPicPr>
+            <a:picLocks noChangeAspect="1" noChangeArrowheads="1"/>
+          </p:cNvPicPr>
+          <p:nvPr/>
+        </p:nvPicPr>
+        <p:blipFill>
+          <a:blip r:embed="rId4">
+            <a:extLst>
+              <a:ext uri="{28A0092B-C50C-407E-A947-70E740481C1C}">
+                <a14:useLocalDpi xmlns:a14="http://schemas.microsoft.com/office/drawing/2010/main" val="0"/>
+              </a:ext>
+            </a:extLst>
+          </a:blip>
+          <a:srcRect/>
+          <a:stretch>
+            <a:fillRect/>
+          </a:stretch>
+        </p:blipFill>
+        <p:spPr bwMode="auto">
+          <a:xfrm rot="7615529">
+            <a:off x="2642869" y="1947496"/>
+            <a:ext cx="3427121" cy="994440"/>
+          </a:xfrm>
+          <a:prstGeom prst="rect">
+            <a:avLst/>
+          </a:prstGeom>
+          <a:noFill/>
+          <a:extLst>
+            <a:ext uri="{909E8E84-426E-40DD-AFC4-6F175D3DCCD1}">
+              <a14:hiddenFill xmlns:a14="http://schemas.microsoft.com/office/drawing/2010/main">
+                <a:solidFill>
+                  <a:srgbClr val="FFFFFF"/>
+                </a:solidFill>
+              </a14:hiddenFill>
+            </a:ext>
+          </a:extLst>
+        </p:spPr>
+      </p:pic>
+      <p:pic>
+        <p:nvPicPr>
+          <p:cNvPr id="7" name="Graphic 6" descr="Document with solid fill">
+            <a:extLst>
+              <a:ext uri="{FF2B5EF4-FFF2-40B4-BE49-F238E27FC236}">
+                <a16:creationId xmlns:a16="http://schemas.microsoft.com/office/drawing/2014/main" id="{1D5912DD-93B2-BE03-5B9E-2EACFE013819}"/>
+              </a:ext>
+            </a:extLst>
+          </p:cNvPr>
+          <p:cNvPicPr>
+            <a:picLocks noChangeAspect="1"/>
+          </p:cNvPicPr>
+          <p:nvPr/>
+        </p:nvPicPr>
+        <p:blipFill>
+          <a:blip r:embed="rId5">
+            <a:extLst>
+              <a:ext uri="{96DAC541-7B7A-43D3-8B79-37D633B846F1}">
+                <asvg:svgBlip xmlns:asvg="http://schemas.microsoft.com/office/drawing/2016/SVG/main" r:embed="rId6"/>
+              </a:ext>
+            </a:extLst>
+          </a:blip>
+          <a:stretch>
+            <a:fillRect/>
+          </a:stretch>
+        </p:blipFill>
+        <p:spPr>
+          <a:xfrm>
+            <a:off x="5739728" y="151540"/>
+            <a:ext cx="914400" cy="914400"/>
+          </a:xfrm>
+          <a:prstGeom prst="rect">
+            <a:avLst/>
+          </a:prstGeom>
+        </p:spPr>
+      </p:pic>
+      <p:pic>
+        <p:nvPicPr>
+          <p:cNvPr id="9" name="Graphic 8" descr="Document outline">
+            <a:extLst>
+              <a:ext uri="{FF2B5EF4-FFF2-40B4-BE49-F238E27FC236}">
+                <a16:creationId xmlns:a16="http://schemas.microsoft.com/office/drawing/2014/main" id="{381AA2DD-4EA6-39CC-1A2D-BC93A4EA232B}"/>
+              </a:ext>
+            </a:extLst>
+          </p:cNvPr>
+          <p:cNvPicPr>
+            <a:picLocks noChangeAspect="1"/>
+          </p:cNvPicPr>
+          <p:nvPr/>
+        </p:nvPicPr>
+        <p:blipFill>
+          <a:blip r:embed="rId7">
+            <a:extLst>
+              <a:ext uri="{96DAC541-7B7A-43D3-8B79-37D633B846F1}">
+                <asvg:svgBlip xmlns:asvg="http://schemas.microsoft.com/office/drawing/2016/SVG/main" r:embed="rId8"/>
+              </a:ext>
+            </a:extLst>
+          </a:blip>
+          <a:stretch>
+            <a:fillRect/>
+          </a:stretch>
+        </p:blipFill>
+        <p:spPr>
+          <a:xfrm>
+            <a:off x="5131417" y="800389"/>
+            <a:ext cx="952777" cy="952777"/>
+          </a:xfrm>
+          <a:prstGeom prst="rect">
+            <a:avLst/>
+          </a:prstGeom>
+        </p:spPr>
+      </p:pic>
+      <p:pic>
+        <p:nvPicPr>
+          <p:cNvPr id="1028" name="Picture 4" descr="GitHub black logo landscape transparent PNG - StickPNG">
+            <a:extLst>
+              <a:ext uri="{FF2B5EF4-FFF2-40B4-BE49-F238E27FC236}">
+                <a16:creationId xmlns:a16="http://schemas.microsoft.com/office/drawing/2014/main" id="{AF62EFAD-5B6D-AB71-73A7-B5414B32A627}"/>
+              </a:ext>
+            </a:extLst>
+          </p:cNvPr>
+          <p:cNvPicPr>
+            <a:picLocks noChangeAspect="1" noChangeArrowheads="1"/>
+          </p:cNvPicPr>
+          <p:nvPr/>
+        </p:nvPicPr>
+        <p:blipFill>
+          <a:blip r:embed="rId9">
+            <a:extLst>
+              <a:ext uri="{28A0092B-C50C-407E-A947-70E740481C1C}">
+                <a14:useLocalDpi xmlns:a14="http://schemas.microsoft.com/office/drawing/2010/main" val="0"/>
+              </a:ext>
+            </a:extLst>
+          </a:blip>
+          <a:srcRect/>
+          <a:stretch>
+            <a:fillRect/>
+          </a:stretch>
+        </p:blipFill>
+        <p:spPr bwMode="auto">
+          <a:xfrm>
+            <a:off x="4157782" y="61153"/>
+            <a:ext cx="1625600" cy="914400"/>
+          </a:xfrm>
+          <a:prstGeom prst="rect">
+            <a:avLst/>
+          </a:prstGeom>
+          <a:noFill/>
+          <a:extLst>
+            <a:ext uri="{909E8E84-426E-40DD-AFC4-6F175D3DCCD1}">
+              <a14:hiddenFill xmlns:a14="http://schemas.microsoft.com/office/drawing/2010/main">
+                <a:solidFill>
+                  <a:srgbClr val="FFFFFF"/>
+                </a:solidFill>
+              </a14:hiddenFill>
+            </a:ext>
+          </a:extLst>
+        </p:spPr>
+      </p:pic>
+      <p:pic>
+        <p:nvPicPr>
+          <p:cNvPr id="1030" name="Picture 6" descr="Git - Logo Downloads">
+            <a:extLst>
+              <a:ext uri="{FF2B5EF4-FFF2-40B4-BE49-F238E27FC236}">
+                <a16:creationId xmlns:a16="http://schemas.microsoft.com/office/drawing/2014/main" id="{0A4F9D86-98D8-47AF-FFD8-FE03A51C899D}"/>
+              </a:ext>
+            </a:extLst>
+          </p:cNvPr>
+          <p:cNvPicPr>
+            <a:picLocks noChangeAspect="1" noChangeArrowheads="1"/>
+          </p:cNvPicPr>
+          <p:nvPr/>
+        </p:nvPicPr>
+        <p:blipFill>
+          <a:blip r:embed="rId10">
+            <a:extLst>
+              <a:ext uri="{28A0092B-C50C-407E-A947-70E740481C1C}">
+                <a14:useLocalDpi xmlns:a14="http://schemas.microsoft.com/office/drawing/2010/main" val="0"/>
+              </a:ext>
+            </a:extLst>
+          </a:blip>
+          <a:srcRect/>
+          <a:stretch>
+            <a:fillRect/>
+          </a:stretch>
+        </p:blipFill>
+        <p:spPr bwMode="auto">
+          <a:xfrm>
+            <a:off x="2655053" y="3453748"/>
+            <a:ext cx="1113067" cy="464797"/>
+          </a:xfrm>
+          <a:prstGeom prst="rect">
+            <a:avLst/>
+          </a:prstGeom>
+          <a:noFill/>
+          <a:extLst>
+            <a:ext uri="{909E8E84-426E-40DD-AFC4-6F175D3DCCD1}">
+              <a14:hiddenFill xmlns:a14="http://schemas.microsoft.com/office/drawing/2010/main">
+                <a:solidFill>
+                  <a:srgbClr val="FFFFFF"/>
+                </a:solidFill>
+              </a14:hiddenFill>
+            </a:ext>
+          </a:extLst>
+        </p:spPr>
+      </p:pic>
+      <p:sp>
+        <p:nvSpPr>
+          <p:cNvPr id="13" name="TextBox 12">
+            <a:extLst>
+              <a:ext uri="{FF2B5EF4-FFF2-40B4-BE49-F238E27FC236}">
+                <a16:creationId xmlns:a16="http://schemas.microsoft.com/office/drawing/2014/main" id="{DD9D3124-ACBC-CF2B-CAFB-1624E2F30025}"/>
+              </a:ext>
+            </a:extLst>
+          </p:cNvPr>
+          <p:cNvSpPr txBox="1"/>
+          <p:nvPr/>
+        </p:nvSpPr>
+        <p:spPr>
+          <a:xfrm>
+            <a:off x="5259889" y="831386"/>
+            <a:ext cx="367408" cy="369332"/>
+          </a:xfrm>
+          <a:prstGeom prst="rect">
+            <a:avLst/>
+          </a:prstGeom>
+          <a:noFill/>
+        </p:spPr>
+        <p:txBody>
+          <a:bodyPr wrap="none" rtlCol="0">
+            <a:spAutoFit/>
+          </a:bodyPr>
+          <a:lstStyle/>
+          <a:p>
+            <a:r>
+              <a:rPr lang="en-US" altLang="zh-CN" dirty="0"/>
+              <a:t>.R</a:t>
+            </a:r>
+            <a:endParaRPr lang="en-US" dirty="0"/>
+          </a:p>
+        </p:txBody>
+      </p:sp>
+      <p:pic>
+        <p:nvPicPr>
+          <p:cNvPr id="14" name="Graphic 13" descr="Document with solid fill">
+            <a:extLst>
+              <a:ext uri="{FF2B5EF4-FFF2-40B4-BE49-F238E27FC236}">
+                <a16:creationId xmlns:a16="http://schemas.microsoft.com/office/drawing/2014/main" id="{3320FEEE-CA14-95E2-A000-EC27B96AFE16}"/>
+              </a:ext>
+            </a:extLst>
+          </p:cNvPr>
+          <p:cNvPicPr>
+            <a:picLocks noChangeAspect="1"/>
+          </p:cNvPicPr>
+          <p:nvPr/>
+        </p:nvPicPr>
+        <p:blipFill>
+          <a:blip r:embed="rId5">
+            <a:extLst>
+              <a:ext uri="{96DAC541-7B7A-43D3-8B79-37D633B846F1}">
+                <asvg:svgBlip xmlns:asvg="http://schemas.microsoft.com/office/drawing/2016/SVG/main" r:embed="rId6"/>
+              </a:ext>
+            </a:extLst>
+          </a:blip>
+          <a:stretch>
+            <a:fillRect/>
+          </a:stretch>
+        </p:blipFill>
+        <p:spPr>
+          <a:xfrm>
+            <a:off x="3052135" y="3856234"/>
+            <a:ext cx="914400" cy="914400"/>
+          </a:xfrm>
+          <a:prstGeom prst="rect">
+            <a:avLst/>
+          </a:prstGeom>
+        </p:spPr>
+      </p:pic>
+      <p:sp>
+        <p:nvSpPr>
+          <p:cNvPr id="16" name="TextBox 15">
+            <a:extLst>
+              <a:ext uri="{FF2B5EF4-FFF2-40B4-BE49-F238E27FC236}">
+                <a16:creationId xmlns:a16="http://schemas.microsoft.com/office/drawing/2014/main" id="{0CD09F3E-2BC7-6119-A707-7E06025D7224}"/>
+              </a:ext>
+            </a:extLst>
+          </p:cNvPr>
+          <p:cNvSpPr txBox="1"/>
+          <p:nvPr/>
+        </p:nvSpPr>
+        <p:spPr>
+          <a:xfrm>
+            <a:off x="3895135" y="3428202"/>
+            <a:ext cx="367408" cy="369332"/>
+          </a:xfrm>
+          <a:prstGeom prst="rect">
+            <a:avLst/>
+          </a:prstGeom>
+          <a:noFill/>
+        </p:spPr>
+        <p:txBody>
+          <a:bodyPr wrap="none" rtlCol="0">
+            <a:spAutoFit/>
+          </a:bodyPr>
+          <a:lstStyle/>
+          <a:p>
+            <a:r>
+              <a:rPr lang="en-US" altLang="zh-CN" dirty="0"/>
+              <a:t>.R</a:t>
+            </a:r>
+            <a:endParaRPr lang="en-US" dirty="0"/>
+          </a:p>
+        </p:txBody>
+      </p:sp>
+      <p:pic>
+        <p:nvPicPr>
+          <p:cNvPr id="18" name="Graphic 17" descr="Document outline">
+            <a:extLst>
+              <a:ext uri="{FF2B5EF4-FFF2-40B4-BE49-F238E27FC236}">
+                <a16:creationId xmlns:a16="http://schemas.microsoft.com/office/drawing/2014/main" id="{1CFC0ED1-8989-E07D-016E-D53C69F2E183}"/>
+              </a:ext>
+            </a:extLst>
+          </p:cNvPr>
+          <p:cNvPicPr>
+            <a:picLocks noChangeAspect="1"/>
+          </p:cNvPicPr>
+          <p:nvPr/>
+        </p:nvPicPr>
+        <p:blipFill>
+          <a:blip r:embed="rId7">
+            <a:extLst>
+              <a:ext uri="{96DAC541-7B7A-43D3-8B79-37D633B846F1}">
+                <asvg:svgBlip xmlns:asvg="http://schemas.microsoft.com/office/drawing/2016/SVG/main" r:embed="rId8"/>
+              </a:ext>
+            </a:extLst>
+          </a:blip>
+          <a:stretch>
+            <a:fillRect/>
+          </a:stretch>
+        </p:blipFill>
+        <p:spPr>
+          <a:xfrm>
+            <a:off x="3716108" y="3396779"/>
+            <a:ext cx="952777" cy="952777"/>
+          </a:xfrm>
+          <a:prstGeom prst="rect">
+            <a:avLst/>
+          </a:prstGeom>
+        </p:spPr>
+      </p:pic>
+      <p:pic>
+        <p:nvPicPr>
+          <p:cNvPr id="19" name="Picture 6" descr="Git - Logo Downloads">
+            <a:extLst>
+              <a:ext uri="{FF2B5EF4-FFF2-40B4-BE49-F238E27FC236}">
+                <a16:creationId xmlns:a16="http://schemas.microsoft.com/office/drawing/2014/main" id="{1B0A5915-920D-F835-68EB-D948FDD8C81B}"/>
+              </a:ext>
+            </a:extLst>
+          </p:cNvPr>
+          <p:cNvPicPr>
+            <a:picLocks noChangeAspect="1" noChangeArrowheads="1"/>
+          </p:cNvPicPr>
+          <p:nvPr/>
+        </p:nvPicPr>
+        <p:blipFill>
+          <a:blip r:embed="rId10">
+            <a:extLst>
+              <a:ext uri="{28A0092B-C50C-407E-A947-70E740481C1C}">
+                <a14:useLocalDpi xmlns:a14="http://schemas.microsoft.com/office/drawing/2010/main" val="0"/>
+              </a:ext>
+            </a:extLst>
+          </a:blip>
+          <a:srcRect/>
+          <a:stretch>
+            <a:fillRect/>
+          </a:stretch>
+        </p:blipFill>
+        <p:spPr bwMode="auto">
+          <a:xfrm>
+            <a:off x="6891425" y="2988951"/>
+            <a:ext cx="1113067" cy="464797"/>
+          </a:xfrm>
+          <a:prstGeom prst="rect">
+            <a:avLst/>
+          </a:prstGeom>
+          <a:noFill/>
+          <a:extLst>
+            <a:ext uri="{909E8E84-426E-40DD-AFC4-6F175D3DCCD1}">
+              <a14:hiddenFill xmlns:a14="http://schemas.microsoft.com/office/drawing/2010/main">
+                <a:solidFill>
+                  <a:srgbClr val="FFFFFF"/>
+                </a:solidFill>
+              </a14:hiddenFill>
+            </a:ext>
+          </a:extLst>
+        </p:spPr>
+      </p:pic>
+      <p:pic>
+        <p:nvPicPr>
+          <p:cNvPr id="20" name="Graphic 19" descr="Document with solid fill">
+            <a:extLst>
+              <a:ext uri="{FF2B5EF4-FFF2-40B4-BE49-F238E27FC236}">
+                <a16:creationId xmlns:a16="http://schemas.microsoft.com/office/drawing/2014/main" id="{640E9464-8DD6-4A3E-0C8E-75163A745108}"/>
+              </a:ext>
+            </a:extLst>
+          </p:cNvPr>
+          <p:cNvPicPr>
+            <a:picLocks noChangeAspect="1"/>
+          </p:cNvPicPr>
+          <p:nvPr/>
+        </p:nvPicPr>
+        <p:blipFill>
+          <a:blip r:embed="rId5">
+            <a:extLst>
+              <a:ext uri="{96DAC541-7B7A-43D3-8B79-37D633B846F1}">
+                <asvg:svgBlip xmlns:asvg="http://schemas.microsoft.com/office/drawing/2016/SVG/main" r:embed="rId6"/>
+              </a:ext>
+            </a:extLst>
+          </a:blip>
+          <a:stretch>
+            <a:fillRect/>
+          </a:stretch>
+        </p:blipFill>
+        <p:spPr>
+          <a:xfrm>
+            <a:off x="6682185" y="3383551"/>
+            <a:ext cx="914400" cy="914400"/>
+          </a:xfrm>
+          <a:prstGeom prst="rect">
+            <a:avLst/>
+          </a:prstGeom>
+        </p:spPr>
+      </p:pic>
+      <p:sp>
+        <p:nvSpPr>
+          <p:cNvPr id="21" name="TextBox 20">
+            <a:extLst>
+              <a:ext uri="{FF2B5EF4-FFF2-40B4-BE49-F238E27FC236}">
+                <a16:creationId xmlns:a16="http://schemas.microsoft.com/office/drawing/2014/main" id="{5772583F-FB2A-41DC-A8DA-C69FB60E19D9}"/>
+              </a:ext>
+            </a:extLst>
+          </p:cNvPr>
+          <p:cNvSpPr txBox="1"/>
+          <p:nvPr/>
+        </p:nvSpPr>
+        <p:spPr>
+          <a:xfrm>
+            <a:off x="7653253" y="3494065"/>
+            <a:ext cx="367408" cy="369332"/>
+          </a:xfrm>
+          <a:prstGeom prst="rect">
+            <a:avLst/>
+          </a:prstGeom>
+          <a:noFill/>
+        </p:spPr>
+        <p:txBody>
+          <a:bodyPr wrap="none" rtlCol="0">
+            <a:spAutoFit/>
+          </a:bodyPr>
+          <a:lstStyle/>
+          <a:p>
+            <a:r>
+              <a:rPr lang="en-US" altLang="zh-CN" dirty="0"/>
+              <a:t>.R</a:t>
+            </a:r>
+            <a:endParaRPr lang="en-US" dirty="0"/>
+          </a:p>
+        </p:txBody>
+      </p:sp>
+      <p:pic>
+        <p:nvPicPr>
+          <p:cNvPr id="22" name="Graphic 21" descr="Document outline">
+            <a:extLst>
+              <a:ext uri="{FF2B5EF4-FFF2-40B4-BE49-F238E27FC236}">
+                <a16:creationId xmlns:a16="http://schemas.microsoft.com/office/drawing/2014/main" id="{F697D157-B9D3-2493-2F27-277C9949C2D3}"/>
+              </a:ext>
+            </a:extLst>
+          </p:cNvPr>
+          <p:cNvPicPr>
+            <a:picLocks noChangeAspect="1"/>
+          </p:cNvPicPr>
+          <p:nvPr/>
+        </p:nvPicPr>
+        <p:blipFill>
+          <a:blip r:embed="rId7">
+            <a:extLst>
+              <a:ext uri="{96DAC541-7B7A-43D3-8B79-37D633B846F1}">
+                <asvg:svgBlip xmlns:asvg="http://schemas.microsoft.com/office/drawing/2016/SVG/main" r:embed="rId8"/>
+              </a:ext>
+            </a:extLst>
+          </a:blip>
+          <a:stretch>
+            <a:fillRect/>
+          </a:stretch>
+        </p:blipFill>
+        <p:spPr>
+          <a:xfrm>
+            <a:off x="7403225" y="3466192"/>
+            <a:ext cx="952777" cy="952777"/>
+          </a:xfrm>
+          <a:prstGeom prst="rect">
+            <a:avLst/>
+          </a:prstGeom>
+        </p:spPr>
+      </p:pic>
+      <p:pic>
+        <p:nvPicPr>
+          <p:cNvPr id="24" name="Graphic 23" descr="Female Profile with solid fill">
+            <a:extLst>
+              <a:ext uri="{FF2B5EF4-FFF2-40B4-BE49-F238E27FC236}">
+                <a16:creationId xmlns:a16="http://schemas.microsoft.com/office/drawing/2014/main" id="{73D7AA02-64CF-612D-4C3B-7AB4ED1657B1}"/>
+              </a:ext>
+            </a:extLst>
+          </p:cNvPr>
+          <p:cNvPicPr>
+            <a:picLocks noChangeAspect="1"/>
+          </p:cNvPicPr>
+          <p:nvPr/>
+        </p:nvPicPr>
+        <p:blipFill>
+          <a:blip r:embed="rId11">
+            <a:extLst>
+              <a:ext uri="{96DAC541-7B7A-43D3-8B79-37D633B846F1}">
+                <asvg:svgBlip xmlns:asvg="http://schemas.microsoft.com/office/drawing/2016/SVG/main" r:embed="rId12"/>
+              </a:ext>
+            </a:extLst>
+          </a:blip>
+          <a:stretch>
+            <a:fillRect/>
+          </a:stretch>
+        </p:blipFill>
+        <p:spPr>
+          <a:xfrm>
+            <a:off x="54094" y="2998514"/>
+            <a:ext cx="768975" cy="768975"/>
+          </a:xfrm>
+          <a:prstGeom prst="rect">
+            <a:avLst/>
+          </a:prstGeom>
+        </p:spPr>
+      </p:pic>
+      <p:pic>
+        <p:nvPicPr>
+          <p:cNvPr id="26" name="Graphic 25" descr="Male profile with solid fill">
+            <a:extLst>
+              <a:ext uri="{FF2B5EF4-FFF2-40B4-BE49-F238E27FC236}">
+                <a16:creationId xmlns:a16="http://schemas.microsoft.com/office/drawing/2014/main" id="{C555EA9F-B25C-FED2-0F68-7A080A8EAC13}"/>
+              </a:ext>
+            </a:extLst>
+          </p:cNvPr>
+          <p:cNvPicPr>
+            <a:picLocks noChangeAspect="1"/>
+          </p:cNvPicPr>
+          <p:nvPr/>
+        </p:nvPicPr>
+        <p:blipFill>
+          <a:blip r:embed="rId13">
+            <a:extLst>
+              <a:ext uri="{96DAC541-7B7A-43D3-8B79-37D633B846F1}">
+                <asvg:svgBlip xmlns:asvg="http://schemas.microsoft.com/office/drawing/2016/SVG/main" r:embed="rId14"/>
+              </a:ext>
+            </a:extLst>
+          </a:blip>
+          <a:stretch>
+            <a:fillRect/>
+          </a:stretch>
+        </p:blipFill>
+        <p:spPr>
+          <a:xfrm>
+            <a:off x="608249" y="3297779"/>
+            <a:ext cx="747902" cy="747902"/>
+          </a:xfrm>
+          <a:prstGeom prst="rect">
+            <a:avLst/>
+          </a:prstGeom>
+        </p:spPr>
+      </p:pic>
+      <p:pic>
+        <p:nvPicPr>
+          <p:cNvPr id="28" name="Graphic 27" descr="Office worker female with solid fill">
+            <a:extLst>
+              <a:ext uri="{FF2B5EF4-FFF2-40B4-BE49-F238E27FC236}">
+                <a16:creationId xmlns:a16="http://schemas.microsoft.com/office/drawing/2014/main" id="{949FCCFE-D7FD-3D12-FA48-8337ECC52708}"/>
+              </a:ext>
+            </a:extLst>
+          </p:cNvPr>
+          <p:cNvPicPr>
+            <a:picLocks noChangeAspect="1"/>
+          </p:cNvPicPr>
+          <p:nvPr/>
+        </p:nvPicPr>
+        <p:blipFill>
+          <a:blip r:embed="rId15">
+            <a:extLst>
+              <a:ext uri="{96DAC541-7B7A-43D3-8B79-37D633B846F1}">
+                <asvg:svgBlip xmlns:asvg="http://schemas.microsoft.com/office/drawing/2016/SVG/main" r:embed="rId16"/>
+              </a:ext>
+            </a:extLst>
+          </a:blip>
+          <a:stretch>
+            <a:fillRect/>
+          </a:stretch>
+        </p:blipFill>
+        <p:spPr>
+          <a:xfrm>
+            <a:off x="597213" y="2555771"/>
+            <a:ext cx="847136" cy="847136"/>
+          </a:xfrm>
+          <a:prstGeom prst="rect">
+            <a:avLst/>
+          </a:prstGeom>
+        </p:spPr>
+      </p:pic>
+      <p:sp>
+        <p:nvSpPr>
+          <p:cNvPr id="29" name="TextBox 28">
+            <a:extLst>
+              <a:ext uri="{FF2B5EF4-FFF2-40B4-BE49-F238E27FC236}">
+                <a16:creationId xmlns:a16="http://schemas.microsoft.com/office/drawing/2014/main" id="{A42D1919-ED55-42F2-7449-AFB3065F16C7}"/>
+              </a:ext>
+            </a:extLst>
+          </p:cNvPr>
+          <p:cNvSpPr txBox="1"/>
+          <p:nvPr/>
+        </p:nvSpPr>
+        <p:spPr>
+          <a:xfrm>
+            <a:off x="13611" y="4113285"/>
+            <a:ext cx="2137765" cy="369332"/>
+          </a:xfrm>
+          <a:prstGeom prst="rect">
+            <a:avLst/>
+          </a:prstGeom>
+          <a:noFill/>
+        </p:spPr>
+        <p:txBody>
+          <a:bodyPr wrap="none" rtlCol="0">
+            <a:spAutoFit/>
+          </a:bodyPr>
+          <a:lstStyle/>
+          <a:p>
+            <a:r>
+              <a:rPr lang="en-US" altLang="zh-CN" dirty="0"/>
+              <a:t>Researchers/A</a:t>
+            </a:r>
+            <a:r>
+              <a:rPr lang="en-US" dirty="0"/>
+              <a:t>uthors</a:t>
+            </a:r>
+          </a:p>
+        </p:txBody>
+      </p:sp>
+      <p:pic>
+        <p:nvPicPr>
+          <p:cNvPr id="31" name="Graphic 30" descr="Person eating with solid fill">
+            <a:extLst>
+              <a:ext uri="{FF2B5EF4-FFF2-40B4-BE49-F238E27FC236}">
+                <a16:creationId xmlns:a16="http://schemas.microsoft.com/office/drawing/2014/main" id="{033D7463-ACCF-678E-284E-7FBE658C38B8}"/>
+              </a:ext>
+            </a:extLst>
+          </p:cNvPr>
+          <p:cNvPicPr>
+            <a:picLocks noChangeAspect="1"/>
+          </p:cNvPicPr>
+          <p:nvPr/>
+        </p:nvPicPr>
+        <p:blipFill>
+          <a:blip r:embed="rId17">
+            <a:extLst>
+              <a:ext uri="{96DAC541-7B7A-43D3-8B79-37D633B846F1}">
+                <asvg:svgBlip xmlns:asvg="http://schemas.microsoft.com/office/drawing/2016/SVG/main" r:embed="rId18"/>
+              </a:ext>
+            </a:extLst>
+          </a:blip>
+          <a:stretch>
+            <a:fillRect/>
+          </a:stretch>
+        </p:blipFill>
+        <p:spPr>
+          <a:xfrm>
+            <a:off x="10034040" y="1961323"/>
+            <a:ext cx="914400" cy="914400"/>
+          </a:xfrm>
+          <a:prstGeom prst="rect">
+            <a:avLst/>
+          </a:prstGeom>
+        </p:spPr>
+      </p:pic>
+      <p:pic>
+        <p:nvPicPr>
+          <p:cNvPr id="33" name="Graphic 32" descr="Users with solid fill">
+            <a:extLst>
+              <a:ext uri="{FF2B5EF4-FFF2-40B4-BE49-F238E27FC236}">
+                <a16:creationId xmlns:a16="http://schemas.microsoft.com/office/drawing/2014/main" id="{16A15633-D9D9-58A7-E332-37D9AA2E1031}"/>
+              </a:ext>
+            </a:extLst>
+          </p:cNvPr>
+          <p:cNvPicPr>
+            <a:picLocks noChangeAspect="1"/>
+          </p:cNvPicPr>
+          <p:nvPr/>
+        </p:nvPicPr>
+        <p:blipFill>
+          <a:blip r:embed="rId19">
+            <a:extLst>
+              <a:ext uri="{96DAC541-7B7A-43D3-8B79-37D633B846F1}">
+                <asvg:svgBlip xmlns:asvg="http://schemas.microsoft.com/office/drawing/2016/SVG/main" r:embed="rId20"/>
+              </a:ext>
+            </a:extLst>
+          </a:blip>
+          <a:stretch>
+            <a:fillRect/>
+          </a:stretch>
+        </p:blipFill>
+        <p:spPr>
+          <a:xfrm>
+            <a:off x="9670983" y="2791312"/>
+            <a:ext cx="914400" cy="914400"/>
+          </a:xfrm>
+          <a:prstGeom prst="rect">
+            <a:avLst/>
+          </a:prstGeom>
+        </p:spPr>
+      </p:pic>
+      <p:pic>
+        <p:nvPicPr>
+          <p:cNvPr id="35" name="Graphic 34" descr="Group with solid fill">
+            <a:extLst>
+              <a:ext uri="{FF2B5EF4-FFF2-40B4-BE49-F238E27FC236}">
+                <a16:creationId xmlns:a16="http://schemas.microsoft.com/office/drawing/2014/main" id="{F4867018-E764-B23E-82C7-A0D8C9417628}"/>
+              </a:ext>
+            </a:extLst>
+          </p:cNvPr>
+          <p:cNvPicPr>
+            <a:picLocks noChangeAspect="1"/>
+          </p:cNvPicPr>
+          <p:nvPr/>
+        </p:nvPicPr>
+        <p:blipFill>
+          <a:blip r:embed="rId21">
+            <a:extLst>
+              <a:ext uri="{96DAC541-7B7A-43D3-8B79-37D633B846F1}">
+                <asvg:svgBlip xmlns:asvg="http://schemas.microsoft.com/office/drawing/2016/SVG/main" r:embed="rId22"/>
+              </a:ext>
+            </a:extLst>
+          </a:blip>
+          <a:stretch>
+            <a:fillRect/>
+          </a:stretch>
+        </p:blipFill>
+        <p:spPr>
+          <a:xfrm>
+            <a:off x="10566454" y="2791312"/>
+            <a:ext cx="914400" cy="914400"/>
+          </a:xfrm>
+          <a:prstGeom prst="rect">
+            <a:avLst/>
+          </a:prstGeom>
+        </p:spPr>
+      </p:pic>
+      <p:sp>
+        <p:nvSpPr>
+          <p:cNvPr id="38" name="TextBox 37">
+            <a:extLst>
+              <a:ext uri="{FF2B5EF4-FFF2-40B4-BE49-F238E27FC236}">
+                <a16:creationId xmlns:a16="http://schemas.microsoft.com/office/drawing/2014/main" id="{95B190F7-046E-2C37-1CB6-A072288729BC}"/>
+              </a:ext>
+            </a:extLst>
+          </p:cNvPr>
+          <p:cNvSpPr txBox="1"/>
+          <p:nvPr/>
+        </p:nvSpPr>
+        <p:spPr>
+          <a:xfrm>
+            <a:off x="9208359" y="3678731"/>
+            <a:ext cx="3247180" cy="369332"/>
+          </a:xfrm>
+          <a:prstGeom prst="rect">
+            <a:avLst/>
+          </a:prstGeom>
+          <a:noFill/>
+        </p:spPr>
+        <p:txBody>
+          <a:bodyPr wrap="square" rtlCol="0">
+            <a:spAutoFit/>
+          </a:bodyPr>
+          <a:lstStyle/>
+          <a:p>
+            <a:r>
+              <a:rPr lang="en-US" altLang="zh-CN" dirty="0"/>
+              <a:t>Broader</a:t>
+            </a:r>
+            <a:r>
+              <a:rPr lang="zh-CN" altLang="en-US" dirty="0"/>
+              <a:t> </a:t>
+            </a:r>
+            <a:r>
+              <a:rPr lang="en-US" altLang="zh-CN" dirty="0"/>
+              <a:t>Research</a:t>
+            </a:r>
+            <a:r>
+              <a:rPr lang="zh-CN" altLang="en-US" dirty="0"/>
+              <a:t> </a:t>
+            </a:r>
+            <a:r>
+              <a:rPr lang="en-US" altLang="zh-CN" dirty="0"/>
+              <a:t>Community</a:t>
+            </a:r>
+            <a:r>
+              <a:rPr lang="zh-CN" altLang="en-US" dirty="0"/>
+              <a:t> </a:t>
+            </a:r>
+            <a:endParaRPr lang="en-US" dirty="0"/>
+          </a:p>
+        </p:txBody>
+      </p:sp>
+      <p:sp>
+        <p:nvSpPr>
+          <p:cNvPr id="39" name="TextBox 38">
+            <a:extLst>
+              <a:ext uri="{FF2B5EF4-FFF2-40B4-BE49-F238E27FC236}">
+                <a16:creationId xmlns:a16="http://schemas.microsoft.com/office/drawing/2014/main" id="{5D167841-5C08-5873-3AF9-F9A297F2EAC6}"/>
+              </a:ext>
+            </a:extLst>
+          </p:cNvPr>
+          <p:cNvSpPr txBox="1"/>
+          <p:nvPr/>
+        </p:nvSpPr>
+        <p:spPr>
+          <a:xfrm rot="18453624">
+            <a:off x="3788091" y="2905389"/>
+            <a:ext cx="796757" cy="369332"/>
+          </a:xfrm>
+          <a:prstGeom prst="rect">
+            <a:avLst/>
+          </a:prstGeom>
+          <a:noFill/>
+        </p:spPr>
+        <p:txBody>
+          <a:bodyPr wrap="none" rtlCol="0">
+            <a:spAutoFit/>
+          </a:bodyPr>
+          <a:lstStyle/>
+          <a:p>
+            <a:r>
+              <a:rPr lang="en-US" dirty="0"/>
+              <a:t>Merge</a:t>
+            </a:r>
+          </a:p>
+        </p:txBody>
+      </p:sp>
+      <p:sp>
+        <p:nvSpPr>
+          <p:cNvPr id="40" name="TextBox 39">
+            <a:extLst>
+              <a:ext uri="{FF2B5EF4-FFF2-40B4-BE49-F238E27FC236}">
+                <a16:creationId xmlns:a16="http://schemas.microsoft.com/office/drawing/2014/main" id="{EBBAE718-54E9-F7A1-ED70-C79FD2407284}"/>
+              </a:ext>
+            </a:extLst>
+          </p:cNvPr>
+          <p:cNvSpPr txBox="1"/>
+          <p:nvPr/>
+        </p:nvSpPr>
+        <p:spPr>
+          <a:xfrm rot="3003814">
+            <a:off x="5391016" y="2585392"/>
+            <a:ext cx="1343445" cy="369332"/>
+          </a:xfrm>
+          <a:prstGeom prst="rect">
+            <a:avLst/>
+          </a:prstGeom>
+          <a:noFill/>
+        </p:spPr>
+        <p:txBody>
+          <a:bodyPr wrap="none" rtlCol="0">
+            <a:spAutoFit/>
+          </a:bodyPr>
+          <a:lstStyle/>
+          <a:p>
+            <a:r>
+              <a:rPr lang="en-US" altLang="zh-CN" dirty="0"/>
+              <a:t>Pull</a:t>
+            </a:r>
+            <a:r>
+              <a:rPr lang="zh-CN" altLang="en-US" dirty="0"/>
+              <a:t> </a:t>
+            </a:r>
+            <a:r>
+              <a:rPr lang="en-US" altLang="zh-CN" dirty="0"/>
+              <a:t>Request</a:t>
+            </a:r>
+            <a:endParaRPr lang="en-US" dirty="0"/>
+          </a:p>
+        </p:txBody>
+      </p:sp>
+      <p:cxnSp>
+        <p:nvCxnSpPr>
+          <p:cNvPr id="46" name="Straight Arrow Connector 45">
+            <a:extLst>
+              <a:ext uri="{FF2B5EF4-FFF2-40B4-BE49-F238E27FC236}">
+                <a16:creationId xmlns:a16="http://schemas.microsoft.com/office/drawing/2014/main" id="{D694F07E-3732-13F8-1BFA-0554FEC92D6D}"/>
+              </a:ext>
+            </a:extLst>
+          </p:cNvPr>
+          <p:cNvCxnSpPr>
+            <a:cxnSpLocks/>
+          </p:cNvCxnSpPr>
+          <p:nvPr/>
+        </p:nvCxnSpPr>
+        <p:spPr>
+          <a:xfrm>
+            <a:off x="1444349" y="3518426"/>
+            <a:ext cx="1210704" cy="0"/>
+          </a:xfrm>
+          <a:prstGeom prst="straightConnector1">
+            <a:avLst/>
+          </a:prstGeom>
+          <a:ln w="31750">
+            <a:solidFill>
+              <a:schemeClr val="tx1"/>
+            </a:solidFill>
+            <a:headEnd type="triangle"/>
+            <a:tailEnd type="triangle"/>
+          </a:ln>
+        </p:spPr>
+        <p:style>
+          <a:lnRef idx="1">
+            <a:schemeClr val="accent1"/>
+          </a:lnRef>
+          <a:fillRef idx="0">
+            <a:schemeClr val="accent1"/>
+          </a:fillRef>
+          <a:effectRef idx="0">
+            <a:schemeClr val="accent1"/>
+          </a:effectRef>
+          <a:fontRef idx="minor">
+            <a:schemeClr val="tx1"/>
+          </a:fontRef>
+        </p:style>
+      </p:cxnSp>
+      <p:cxnSp>
+        <p:nvCxnSpPr>
+          <p:cNvPr id="48" name="Straight Arrow Connector 47">
+            <a:extLst>
+              <a:ext uri="{FF2B5EF4-FFF2-40B4-BE49-F238E27FC236}">
+                <a16:creationId xmlns:a16="http://schemas.microsoft.com/office/drawing/2014/main" id="{1FAAD3BD-4E3F-7A05-8CF9-2FCE8BA8ADE2}"/>
+              </a:ext>
+            </a:extLst>
+          </p:cNvPr>
+          <p:cNvCxnSpPr>
+            <a:cxnSpLocks/>
+          </p:cNvCxnSpPr>
+          <p:nvPr/>
+        </p:nvCxnSpPr>
+        <p:spPr>
+          <a:xfrm flipV="1">
+            <a:off x="8402650" y="3692751"/>
+            <a:ext cx="859873" cy="6295"/>
+          </a:xfrm>
+          <a:prstGeom prst="straightConnector1">
+            <a:avLst/>
+          </a:prstGeom>
+          <a:ln w="31750">
+            <a:solidFill>
+              <a:schemeClr val="tx1"/>
+            </a:solidFill>
+            <a:headEnd type="triangle"/>
+            <a:tailEnd type="triangle"/>
+          </a:ln>
+        </p:spPr>
+        <p:style>
+          <a:lnRef idx="1">
+            <a:schemeClr val="accent1"/>
+          </a:lnRef>
+          <a:fillRef idx="0">
+            <a:schemeClr val="accent1"/>
+          </a:fillRef>
+          <a:effectRef idx="0">
+            <a:schemeClr val="accent1"/>
+          </a:effectRef>
+          <a:fontRef idx="minor">
+            <a:schemeClr val="tx1"/>
+          </a:fontRef>
+        </p:style>
+      </p:cxnSp>
+      <p:sp>
+        <p:nvSpPr>
+          <p:cNvPr id="50" name="TextBox 49">
+            <a:extLst>
+              <a:ext uri="{FF2B5EF4-FFF2-40B4-BE49-F238E27FC236}">
+                <a16:creationId xmlns:a16="http://schemas.microsoft.com/office/drawing/2014/main" id="{9DBD7E73-4588-D56C-0D15-F3735C8DB77A}"/>
+              </a:ext>
+            </a:extLst>
+          </p:cNvPr>
+          <p:cNvSpPr txBox="1"/>
+          <p:nvPr/>
+        </p:nvSpPr>
+        <p:spPr>
+          <a:xfrm rot="18555840">
+            <a:off x="3533821" y="1905893"/>
+            <a:ext cx="1491114" cy="369332"/>
+          </a:xfrm>
+          <a:prstGeom prst="rect">
+            <a:avLst/>
+          </a:prstGeom>
+          <a:noFill/>
+        </p:spPr>
+        <p:txBody>
+          <a:bodyPr wrap="none" rtlCol="0">
+            <a:spAutoFit/>
+          </a:bodyPr>
+          <a:lstStyle/>
+          <a:p>
+            <a:r>
+              <a:rPr lang="en-US" dirty="0"/>
+              <a:t>Commit, Push</a:t>
+            </a:r>
+          </a:p>
+        </p:txBody>
+      </p:sp>
+      <p:sp>
+        <p:nvSpPr>
+          <p:cNvPr id="55" name="TextBox 54">
+            <a:extLst>
+              <a:ext uri="{FF2B5EF4-FFF2-40B4-BE49-F238E27FC236}">
+                <a16:creationId xmlns:a16="http://schemas.microsoft.com/office/drawing/2014/main" id="{B4087873-F164-4F6A-1C07-464ED5B86174}"/>
+              </a:ext>
+            </a:extLst>
+          </p:cNvPr>
+          <p:cNvSpPr txBox="1"/>
+          <p:nvPr/>
+        </p:nvSpPr>
+        <p:spPr>
+          <a:xfrm rot="2928717">
+            <a:off x="6231245" y="1974383"/>
+            <a:ext cx="1343445" cy="369332"/>
+          </a:xfrm>
+          <a:prstGeom prst="rect">
+            <a:avLst/>
+          </a:prstGeom>
+          <a:noFill/>
+        </p:spPr>
+        <p:txBody>
+          <a:bodyPr wrap="square" rtlCol="0">
+            <a:spAutoFit/>
+          </a:bodyPr>
+          <a:lstStyle/>
+          <a:p>
+            <a:r>
+              <a:rPr lang="en-US" altLang="zh-CN" dirty="0"/>
+              <a:t>Clone/Fork</a:t>
+            </a:r>
+            <a:endParaRPr lang="en-US" dirty="0"/>
+          </a:p>
+        </p:txBody>
+      </p:sp>
+      <p:pic>
+        <p:nvPicPr>
+          <p:cNvPr id="6" name="Graphic 5" descr="Database with solid fill">
+            <a:extLst>
+              <a:ext uri="{FF2B5EF4-FFF2-40B4-BE49-F238E27FC236}">
+                <a16:creationId xmlns:a16="http://schemas.microsoft.com/office/drawing/2014/main" id="{4B321EB1-B42C-5576-F208-29016870708C}"/>
+              </a:ext>
+            </a:extLst>
+          </p:cNvPr>
+          <p:cNvPicPr>
+            <a:picLocks noChangeAspect="1"/>
+          </p:cNvPicPr>
+          <p:nvPr/>
+        </p:nvPicPr>
+        <p:blipFill>
+          <a:blip r:embed="rId23">
+            <a:extLst>
+              <a:ext uri="{96DAC541-7B7A-43D3-8B79-37D633B846F1}">
+                <asvg:svgBlip xmlns:asvg="http://schemas.microsoft.com/office/drawing/2016/SVG/main" r:embed="rId24"/>
+              </a:ext>
+            </a:extLst>
+          </a:blip>
+          <a:stretch>
+            <a:fillRect/>
+          </a:stretch>
+        </p:blipFill>
+        <p:spPr>
+          <a:xfrm>
+            <a:off x="3768120" y="4103173"/>
+            <a:ext cx="3885133" cy="2677560"/>
+          </a:xfrm>
+          <a:prstGeom prst="rect">
+            <a:avLst/>
+          </a:prstGeom>
+        </p:spPr>
+      </p:pic>
+      <p:sp>
+        <p:nvSpPr>
+          <p:cNvPr id="57" name="Rounded Rectangle 56">
+            <a:extLst>
+              <a:ext uri="{FF2B5EF4-FFF2-40B4-BE49-F238E27FC236}">
+                <a16:creationId xmlns:a16="http://schemas.microsoft.com/office/drawing/2014/main" id="{8FD0F41B-6D8D-9231-4CFA-0C7F38E8FE3B}"/>
+              </a:ext>
+            </a:extLst>
+          </p:cNvPr>
+          <p:cNvSpPr/>
+          <p:nvPr/>
+        </p:nvSpPr>
+        <p:spPr>
+          <a:xfrm>
+            <a:off x="2483363" y="86496"/>
+            <a:ext cx="6450572" cy="6691155"/>
+          </a:xfrm>
+          <a:prstGeom prst="roundRect">
+            <a:avLst/>
+          </a:prstGeom>
+          <a:noFill/>
+          <a:ln w="22225">
+            <a:solidFill>
+              <a:schemeClr val="tx1"/>
+            </a:solidFill>
+            <a:prstDash val="dash"/>
+          </a:ln>
+        </p:spPr>
+        <p:style>
+          <a:lnRef idx="2">
+            <a:schemeClr val="accent1">
+              <a:shade val="50000"/>
+            </a:schemeClr>
+          </a:lnRef>
+          <a:fillRef idx="1">
+            <a:schemeClr val="accent1"/>
+          </a:fillRef>
+          <a:effectRef idx="0">
+            <a:schemeClr val="accent1"/>
+          </a:effectRef>
+          <a:fontRef idx="minor">
+            <a:schemeClr val="lt1"/>
+          </a:fontRef>
+        </p:style>
+        <p:txBody>
+          <a:bodyPr rtlCol="0" anchor="ctr"/>
+          <a:lstStyle/>
+          <a:p>
+            <a:pPr algn="ctr"/>
+            <a:endParaRPr lang="en-US" dirty="0"/>
+          </a:p>
+        </p:txBody>
+      </p:sp>
+      <p:sp>
+        <p:nvSpPr>
+          <p:cNvPr id="32" name="TextBox 31">
+            <a:extLst>
+              <a:ext uri="{FF2B5EF4-FFF2-40B4-BE49-F238E27FC236}">
+                <a16:creationId xmlns:a16="http://schemas.microsoft.com/office/drawing/2014/main" id="{24799A74-3621-0185-16C3-881838EC6BB7}"/>
+              </a:ext>
+            </a:extLst>
+          </p:cNvPr>
+          <p:cNvSpPr txBox="1"/>
+          <p:nvPr/>
+        </p:nvSpPr>
+        <p:spPr>
+          <a:xfrm>
+            <a:off x="5067612" y="6432089"/>
+            <a:ext cx="1464696" cy="369332"/>
+          </a:xfrm>
+          <a:prstGeom prst="rect">
+            <a:avLst/>
+          </a:prstGeom>
+          <a:noFill/>
+        </p:spPr>
+        <p:txBody>
+          <a:bodyPr wrap="none" rtlCol="0">
+            <a:spAutoFit/>
+          </a:bodyPr>
+          <a:lstStyle/>
+          <a:p>
+            <a:r>
+              <a:rPr lang="en-US" dirty="0"/>
+              <a:t>NHANES</a:t>
+            </a:r>
+            <a:r>
+              <a:rPr lang="zh-CN" altLang="en-US" dirty="0"/>
+              <a:t> </a:t>
+            </a:r>
+            <a:r>
+              <a:rPr lang="en-US" altLang="zh-CN" dirty="0"/>
+              <a:t>Data</a:t>
+            </a:r>
+            <a:endParaRPr lang="en-US" dirty="0"/>
+          </a:p>
+        </p:txBody>
+      </p:sp>
+      <p:cxnSp>
+        <p:nvCxnSpPr>
+          <p:cNvPr id="36" name="Straight Arrow Connector 35">
+            <a:extLst>
+              <a:ext uri="{FF2B5EF4-FFF2-40B4-BE49-F238E27FC236}">
+                <a16:creationId xmlns:a16="http://schemas.microsoft.com/office/drawing/2014/main" id="{D2AA6481-7113-77B0-9542-4352B7D4B083}"/>
+              </a:ext>
+            </a:extLst>
+          </p:cNvPr>
+          <p:cNvCxnSpPr>
+            <a:cxnSpLocks/>
+            <a:endCxn id="20" idx="1"/>
+          </p:cNvCxnSpPr>
+          <p:nvPr/>
+        </p:nvCxnSpPr>
+        <p:spPr>
+          <a:xfrm flipV="1">
+            <a:off x="5627297" y="3840751"/>
+            <a:ext cx="1054888" cy="710937"/>
+          </a:xfrm>
+          <a:prstGeom prst="straightConnector1">
+            <a:avLst/>
+          </a:prstGeom>
+          <a:ln w="28575">
+            <a:prstDash val="dash"/>
+            <a:tailEnd type="triangle"/>
+          </a:ln>
+        </p:spPr>
+        <p:style>
+          <a:lnRef idx="1">
+            <a:schemeClr val="accent1"/>
+          </a:lnRef>
+          <a:fillRef idx="0">
+            <a:schemeClr val="accent1"/>
+          </a:fillRef>
+          <a:effectRef idx="0">
+            <a:schemeClr val="accent1"/>
+          </a:effectRef>
+          <a:fontRef idx="minor">
+            <a:schemeClr val="tx1"/>
+          </a:fontRef>
+        </p:style>
+      </p:cxnSp>
+      <p:cxnSp>
+        <p:nvCxnSpPr>
+          <p:cNvPr id="37" name="Straight Arrow Connector 36">
+            <a:extLst>
+              <a:ext uri="{FF2B5EF4-FFF2-40B4-BE49-F238E27FC236}">
+                <a16:creationId xmlns:a16="http://schemas.microsoft.com/office/drawing/2014/main" id="{F04C0461-A48D-77A1-3219-71CF02C419DC}"/>
+              </a:ext>
+            </a:extLst>
+          </p:cNvPr>
+          <p:cNvCxnSpPr>
+            <a:cxnSpLocks/>
+          </p:cNvCxnSpPr>
+          <p:nvPr/>
+        </p:nvCxnSpPr>
+        <p:spPr>
+          <a:xfrm flipH="1" flipV="1">
+            <a:off x="4518894" y="4013087"/>
+            <a:ext cx="1088911" cy="557398"/>
+          </a:xfrm>
+          <a:prstGeom prst="straightConnector1">
+            <a:avLst/>
+          </a:prstGeom>
+          <a:ln w="28575">
+            <a:prstDash val="dash"/>
+            <a:tailEnd type="triangle"/>
+          </a:ln>
+        </p:spPr>
+        <p:style>
+          <a:lnRef idx="1">
+            <a:schemeClr val="accent1"/>
+          </a:lnRef>
+          <a:fillRef idx="0">
+            <a:schemeClr val="accent1"/>
+          </a:fillRef>
+          <a:effectRef idx="0">
+            <a:schemeClr val="accent1"/>
+          </a:effectRef>
+          <a:fontRef idx="minor">
+            <a:schemeClr val="tx1"/>
+          </a:fontRef>
+        </p:style>
+      </p:cxnSp>
+      <p:pic>
+        <p:nvPicPr>
+          <p:cNvPr id="1036" name="Picture 12" descr="drawing">
+            <a:extLst>
+              <a:ext uri="{FF2B5EF4-FFF2-40B4-BE49-F238E27FC236}">
+                <a16:creationId xmlns:a16="http://schemas.microsoft.com/office/drawing/2014/main" id="{E49FB2E1-E69A-4C75-1BDE-F5A54A2C736A}"/>
+              </a:ext>
+            </a:extLst>
+          </p:cNvPr>
+          <p:cNvPicPr>
+            <a:picLocks noChangeAspect="1" noChangeArrowheads="1"/>
+          </p:cNvPicPr>
+          <p:nvPr/>
+        </p:nvPicPr>
+        <p:blipFill>
+          <a:blip r:embed="rId25">
+            <a:extLst>
+              <a:ext uri="{28A0092B-C50C-407E-A947-70E740481C1C}">
+                <a14:useLocalDpi xmlns:a14="http://schemas.microsoft.com/office/drawing/2010/main" val="0"/>
+              </a:ext>
+            </a:extLst>
+          </a:blip>
+          <a:srcRect/>
+          <a:stretch>
+            <a:fillRect/>
+          </a:stretch>
+        </p:blipFill>
+        <p:spPr bwMode="auto">
+          <a:xfrm>
+            <a:off x="4881295" y="4876124"/>
+            <a:ext cx="1650485" cy="1650485"/>
+          </a:xfrm>
+          <a:prstGeom prst="rect">
+            <a:avLst/>
+          </a:prstGeom>
+          <a:noFill/>
+          <a:extLst>
+            <a:ext uri="{909E8E84-426E-40DD-AFC4-6F175D3DCCD1}">
+              <a14:hiddenFill xmlns:a14="http://schemas.microsoft.com/office/drawing/2010/main">
+                <a:solidFill>
+                  <a:srgbClr val="FFFFFF"/>
+                </a:solidFill>
+              </a14:hiddenFill>
+            </a:ext>
+          </a:extLst>
+        </p:spPr>
+      </p:pic>
+    </p:spTree>
+    <p:extLst>
+      <p:ext uri="{BB962C8B-B14F-4D97-AF65-F5344CB8AC3E}">
+        <p14:creationId xmlns:p14="http://schemas.microsoft.com/office/powerpoint/2010/main" val="3627377664"/>
+      </p:ext>
+    </p:extLst>
+  </p:cSld>
+  <p:clrMapOvr>
+    <a:masterClrMapping/>
+  </p:clrMapOvr>
+</p:sld>
+</file>
+
+<file path=ppt/slides/slide3.xml><?xml version="1.0" encoding="utf-8"?>
 <p:sld xmlns:a="http://schemas.openxmlformats.org/drawingml/2006/main" xmlns:r="http://schemas.openxmlformats.org/officeDocument/2006/relationships" xmlns:p="http://schemas.openxmlformats.org/presentationml/2006/main">
   <p:cSld>
     <p:spTree>
